--- a/docs/diagrams/ModelComponentClassBetterOopDiagram.pptx
+++ b/docs/diagrams/ModelComponentClassBetterOopDiagram.pptx
@@ -208,7 +208,7 @@
           <a:p>
             <a:fld id="{F5CC4B3F-88C1-4FFA-B1B6-F41C21DC6924}" type="datetimeFigureOut">
               <a:rPr lang="en-US" smtClean="0"/>
-              <a:t>6/27/2018</a:t>
+              <a:t>13-Nov-18</a:t>
             </a:fld>
             <a:endParaRPr lang="en-US"/>
           </a:p>
@@ -654,7 +654,7 @@
           <a:p>
             <a:fld id="{78C97017-6FC3-485B-9764-EAC9E56C1D49}" type="datetimeFigureOut">
               <a:rPr lang="en-US" smtClean="0"/>
-              <a:t>6/27/2018</a:t>
+              <a:t>13-Nov-18</a:t>
             </a:fld>
             <a:endParaRPr lang="en-US"/>
           </a:p>
@@ -822,7 +822,7 @@
           <a:p>
             <a:fld id="{78C97017-6FC3-485B-9764-EAC9E56C1D49}" type="datetimeFigureOut">
               <a:rPr lang="en-US" smtClean="0"/>
-              <a:t>6/27/2018</a:t>
+              <a:t>13-Nov-18</a:t>
             </a:fld>
             <a:endParaRPr lang="en-US"/>
           </a:p>
@@ -1000,7 +1000,7 @@
           <a:p>
             <a:fld id="{78C97017-6FC3-485B-9764-EAC9E56C1D49}" type="datetimeFigureOut">
               <a:rPr lang="en-US" smtClean="0"/>
-              <a:t>6/27/2018</a:t>
+              <a:t>13-Nov-18</a:t>
             </a:fld>
             <a:endParaRPr lang="en-US"/>
           </a:p>
@@ -1168,7 +1168,7 @@
           <a:p>
             <a:fld id="{78C97017-6FC3-485B-9764-EAC9E56C1D49}" type="datetimeFigureOut">
               <a:rPr lang="en-US" smtClean="0"/>
-              <a:t>6/27/2018</a:t>
+              <a:t>13-Nov-18</a:t>
             </a:fld>
             <a:endParaRPr lang="en-US"/>
           </a:p>
@@ -1413,7 +1413,7 @@
           <a:p>
             <a:fld id="{78C97017-6FC3-485B-9764-EAC9E56C1D49}" type="datetimeFigureOut">
               <a:rPr lang="en-US" smtClean="0"/>
-              <a:t>6/27/2018</a:t>
+              <a:t>13-Nov-18</a:t>
             </a:fld>
             <a:endParaRPr lang="en-US"/>
           </a:p>
@@ -1698,7 +1698,7 @@
           <a:p>
             <a:fld id="{78C97017-6FC3-485B-9764-EAC9E56C1D49}" type="datetimeFigureOut">
               <a:rPr lang="en-US" smtClean="0"/>
-              <a:t>6/27/2018</a:t>
+              <a:t>13-Nov-18</a:t>
             </a:fld>
             <a:endParaRPr lang="en-US"/>
           </a:p>
@@ -2117,7 +2117,7 @@
           <a:p>
             <a:fld id="{78C97017-6FC3-485B-9764-EAC9E56C1D49}" type="datetimeFigureOut">
               <a:rPr lang="en-US" smtClean="0"/>
-              <a:t>6/27/2018</a:t>
+              <a:t>13-Nov-18</a:t>
             </a:fld>
             <a:endParaRPr lang="en-US"/>
           </a:p>
@@ -2234,7 +2234,7 @@
           <a:p>
             <a:fld id="{78C97017-6FC3-485B-9764-EAC9E56C1D49}" type="datetimeFigureOut">
               <a:rPr lang="en-US" smtClean="0"/>
-              <a:t>6/27/2018</a:t>
+              <a:t>13-Nov-18</a:t>
             </a:fld>
             <a:endParaRPr lang="en-US"/>
           </a:p>
@@ -2329,7 +2329,7 @@
           <a:p>
             <a:fld id="{78C97017-6FC3-485B-9764-EAC9E56C1D49}" type="datetimeFigureOut">
               <a:rPr lang="en-US" smtClean="0"/>
-              <a:t>6/27/2018</a:t>
+              <a:t>13-Nov-18</a:t>
             </a:fld>
             <a:endParaRPr lang="en-US"/>
           </a:p>
@@ -2604,7 +2604,7 @@
           <a:p>
             <a:fld id="{78C97017-6FC3-485B-9764-EAC9E56C1D49}" type="datetimeFigureOut">
               <a:rPr lang="en-US" smtClean="0"/>
-              <a:t>6/27/2018</a:t>
+              <a:t>13-Nov-18</a:t>
             </a:fld>
             <a:endParaRPr lang="en-US"/>
           </a:p>
@@ -2856,7 +2856,7 @@
           <a:p>
             <a:fld id="{78C97017-6FC3-485B-9764-EAC9E56C1D49}" type="datetimeFigureOut">
               <a:rPr lang="en-US" smtClean="0"/>
-              <a:t>6/27/2018</a:t>
+              <a:t>13-Nov-18</a:t>
             </a:fld>
             <a:endParaRPr lang="en-US"/>
           </a:p>
@@ -3067,7 +3067,7 @@
           <a:p>
             <a:fld id="{78C97017-6FC3-485B-9764-EAC9E56C1D49}" type="datetimeFigureOut">
               <a:rPr lang="en-US" smtClean="0"/>
-              <a:t>6/27/2018</a:t>
+              <a:t>13-Nov-18</a:t>
             </a:fld>
             <a:endParaRPr lang="en-US"/>
           </a:p>
@@ -3451,7 +3451,7 @@
         <p:spPr>
           <a:xfrm>
             <a:off x="1119865" y="1676400"/>
-            <a:ext cx="7490735" cy="3059747"/>
+            <a:ext cx="7490735" cy="3950960"/>
           </a:xfrm>
           <a:prstGeom prst="roundRect">
             <a:avLst>
@@ -3992,12 +3992,12 @@
           <a:p>
             <a:pPr algn="ctr"/>
             <a:r>
-              <a:rPr lang="en-US" sz="1050" dirty="0" err="1" smtClean="0">
+              <a:rPr lang="en-US" sz="1050" dirty="0" err="1">
                 <a:solidFill>
                   <a:srgbClr val="7030A0"/>
                 </a:solidFill>
               </a:rPr>
-              <a:t>VersionedAddressBook</a:t>
+              <a:t>HealthBase</a:t>
             </a:r>
             <a:endParaRPr lang="en-SG" sz="1050" dirty="0">
               <a:solidFill>
@@ -4382,14 +4382,100 @@
       </p:cxnSp>
       <p:sp>
         <p:nvSpPr>
-          <p:cNvPr id="76" name="Rectangle 8"/>
+          <p:cNvPr id="78" name="Flowchart: Decision 96"/>
           <p:cNvSpPr/>
           <p:nvPr/>
         </p:nvSpPr>
         <p:spPr>
           <a:xfrm>
-            <a:off x="7712397" y="2564238"/>
-            <a:ext cx="708186" cy="285783"/>
+            <a:off x="7041947" y="2948201"/>
+            <a:ext cx="236048" cy="173380"/>
+          </a:xfrm>
+          <a:prstGeom prst="flowChartDecision">
+            <a:avLst/>
+          </a:prstGeom>
+          <a:solidFill>
+            <a:srgbClr val="7030A0"/>
+          </a:solidFill>
+          <a:ln w="19050">
+            <a:solidFill>
+              <a:srgbClr val="7030A0"/>
+            </a:solidFill>
+          </a:ln>
+          <a:effectLst/>
+        </p:spPr>
+        <p:style>
+          <a:lnRef idx="1">
+            <a:schemeClr val="accent6"/>
+          </a:lnRef>
+          <a:fillRef idx="2">
+            <a:schemeClr val="accent6"/>
+          </a:fillRef>
+          <a:effectRef idx="1">
+            <a:schemeClr val="accent6"/>
+          </a:effectRef>
+          <a:fontRef idx="minor">
+            <a:schemeClr val="dk1"/>
+          </a:fontRef>
+        </p:style>
+        <p:txBody>
+          <a:bodyPr rtlCol="0" anchor="ctr"/>
+          <a:lstStyle/>
+          <a:p>
+            <a:pPr algn="ctr"/>
+            <a:endParaRPr lang="en-US" sz="1050"/>
+          </a:p>
+        </p:txBody>
+      </p:sp>
+      <p:sp>
+        <p:nvSpPr>
+          <p:cNvPr id="114" name="TextBox 113"/>
+          <p:cNvSpPr txBox="1"/>
+          <p:nvPr/>
+        </p:nvSpPr>
+        <p:spPr>
+          <a:xfrm rot="16200000">
+            <a:off x="6362886" y="3586305"/>
+            <a:ext cx="881018" cy="261610"/>
+          </a:xfrm>
+          <a:prstGeom prst="rect">
+            <a:avLst/>
+          </a:prstGeom>
+          <a:noFill/>
+        </p:spPr>
+        <p:txBody>
+          <a:bodyPr wrap="square" rtlCol="0">
+            <a:spAutoFit/>
+          </a:bodyPr>
+          <a:lstStyle/>
+          <a:p>
+            <a:pPr algn="r"/>
+            <a:r>
+              <a:rPr lang="en-US" sz="1100" dirty="0">
+                <a:solidFill>
+                  <a:srgbClr val="7030A0"/>
+                </a:solidFill>
+              </a:rPr>
+              <a:t>filtered list</a:t>
+            </a:r>
+            <a:endParaRPr lang="en-SG" sz="1100" dirty="0">
+              <a:solidFill>
+                <a:srgbClr val="7030A0"/>
+              </a:solidFill>
+            </a:endParaRPr>
+          </a:p>
+        </p:txBody>
+      </p:sp>
+      <p:sp>
+        <p:nvSpPr>
+          <p:cNvPr id="122" name="Rectangle 8"/>
+          <p:cNvSpPr/>
+          <p:nvPr/>
+        </p:nvSpPr>
+        <p:spPr>
+          <a:xfrm>
+            <a:off x="2057401" y="4239491"/>
+            <a:ext cx="1066800" cy="346760"/>
           </a:xfrm>
           <a:prstGeom prst="rect">
             <a:avLst/>
@@ -4426,488 +4512,7 @@
                   <a:srgbClr val="7030A0"/>
                 </a:solidFill>
               </a:rPr>
-              <a:t>Name</a:t>
-            </a:r>
-            <a:endParaRPr lang="en-SG" sz="1050" dirty="0">
-              <a:solidFill>
-                <a:srgbClr val="7030A0"/>
-              </a:solidFill>
-            </a:endParaRPr>
-          </a:p>
-        </p:txBody>
-      </p:sp>
-      <p:sp>
-        <p:nvSpPr>
-          <p:cNvPr id="78" name="Flowchart: Decision 96"/>
-          <p:cNvSpPr/>
-          <p:nvPr/>
-        </p:nvSpPr>
-        <p:spPr>
-          <a:xfrm>
-            <a:off x="7041947" y="2948201"/>
-            <a:ext cx="236048" cy="173380"/>
-          </a:xfrm>
-          <a:prstGeom prst="flowChartDecision">
-            <a:avLst/>
-          </a:prstGeom>
-          <a:solidFill>
-            <a:srgbClr val="7030A0"/>
-          </a:solidFill>
-          <a:ln w="19050">
-            <a:solidFill>
-              <a:srgbClr val="7030A0"/>
-            </a:solidFill>
-          </a:ln>
-          <a:effectLst/>
-        </p:spPr>
-        <p:style>
-          <a:lnRef idx="1">
-            <a:schemeClr val="accent6"/>
-          </a:lnRef>
-          <a:fillRef idx="2">
-            <a:schemeClr val="accent6"/>
-          </a:fillRef>
-          <a:effectRef idx="1">
-            <a:schemeClr val="accent6"/>
-          </a:effectRef>
-          <a:fontRef idx="minor">
-            <a:schemeClr val="dk1"/>
-          </a:fontRef>
-        </p:style>
-        <p:txBody>
-          <a:bodyPr rtlCol="0" anchor="ctr"/>
-          <a:lstStyle/>
-          <a:p>
-            <a:pPr algn="ctr"/>
-            <a:endParaRPr lang="en-US" sz="1050"/>
-          </a:p>
-        </p:txBody>
-      </p:sp>
-      <p:cxnSp>
-        <p:nvCxnSpPr>
-          <p:cNvPr id="79" name="Elbow Connector 78"/>
-          <p:cNvCxnSpPr>
-            <a:cxnSpLocks/>
-          </p:cNvCxnSpPr>
-          <p:nvPr/>
-        </p:nvCxnSpPr>
-        <p:spPr>
-          <a:xfrm flipV="1">
-            <a:off x="7277995" y="2706821"/>
-            <a:ext cx="434402" cy="327761"/>
-          </a:xfrm>
-          <a:prstGeom prst="bentConnector3">
-            <a:avLst/>
-          </a:prstGeom>
-          <a:ln w="19050">
-            <a:solidFill>
-              <a:srgbClr val="7030A0"/>
-            </a:solidFill>
-            <a:headEnd type="none" w="med" len="med"/>
-            <a:tailEnd type="arrow" w="med" len="med"/>
-          </a:ln>
-          <a:effectLst/>
-        </p:spPr>
-        <p:style>
-          <a:lnRef idx="1">
-            <a:schemeClr val="accent2"/>
-          </a:lnRef>
-          <a:fillRef idx="2">
-            <a:schemeClr val="accent2"/>
-          </a:fillRef>
-          <a:effectRef idx="1">
-            <a:schemeClr val="accent2"/>
-          </a:effectRef>
-          <a:fontRef idx="minor">
-            <a:schemeClr val="dk1"/>
-          </a:fontRef>
-        </p:style>
-      </p:cxnSp>
-      <p:sp>
-        <p:nvSpPr>
-          <p:cNvPr id="80" name="Rectangle 8"/>
-          <p:cNvSpPr/>
-          <p:nvPr/>
-        </p:nvSpPr>
-        <p:spPr>
-          <a:xfrm>
-            <a:off x="7712397" y="2887216"/>
-            <a:ext cx="708186" cy="285783"/>
-          </a:xfrm>
-          <a:prstGeom prst="rect">
-            <a:avLst/>
-          </a:prstGeom>
-          <a:ln w="19050">
-            <a:solidFill>
-              <a:srgbClr val="7030A0"/>
-            </a:solidFill>
-          </a:ln>
-          <a:effectLst/>
-        </p:spPr>
-        <p:style>
-          <a:lnRef idx="1">
-            <a:schemeClr val="accent4"/>
-          </a:lnRef>
-          <a:fillRef idx="2">
-            <a:schemeClr val="accent4"/>
-          </a:fillRef>
-          <a:effectRef idx="1">
-            <a:schemeClr val="accent4"/>
-          </a:effectRef>
-          <a:fontRef idx="minor">
-            <a:schemeClr val="dk1"/>
-          </a:fontRef>
-        </p:style>
-        <p:txBody>
-          <a:bodyPr rtlCol="0" anchor="ctr"/>
-          <a:lstStyle/>
-          <a:p>
-            <a:pPr algn="ctr"/>
-            <a:r>
-              <a:rPr lang="en-US" sz="1050" dirty="0">
-                <a:solidFill>
-                  <a:srgbClr val="7030A0"/>
-                </a:solidFill>
-              </a:rPr>
-              <a:t>Phone</a:t>
-            </a:r>
-            <a:endParaRPr lang="en-SG" sz="1050" dirty="0">
-              <a:solidFill>
-                <a:srgbClr val="7030A0"/>
-              </a:solidFill>
-            </a:endParaRPr>
-          </a:p>
-        </p:txBody>
-      </p:sp>
-      <p:cxnSp>
-        <p:nvCxnSpPr>
-          <p:cNvPr id="81" name="Elbow Connector 80"/>
-          <p:cNvCxnSpPr>
-            <a:stCxn id="78" idx="3"/>
-            <a:endCxn id="80" idx="1"/>
-          </p:cNvCxnSpPr>
-          <p:nvPr/>
-        </p:nvCxnSpPr>
-        <p:spPr>
-          <a:xfrm flipV="1">
-            <a:off x="7277995" y="3030108"/>
-            <a:ext cx="434402" cy="4783"/>
-          </a:xfrm>
-          <a:prstGeom prst="bentConnector3">
-            <a:avLst/>
-          </a:prstGeom>
-          <a:ln w="19050">
-            <a:solidFill>
-              <a:srgbClr val="7030A0"/>
-            </a:solidFill>
-            <a:headEnd type="none" w="med" len="med"/>
-            <a:tailEnd type="arrow" w="med" len="med"/>
-          </a:ln>
-          <a:effectLst/>
-        </p:spPr>
-        <p:style>
-          <a:lnRef idx="1">
-            <a:schemeClr val="accent2"/>
-          </a:lnRef>
-          <a:fillRef idx="2">
-            <a:schemeClr val="accent2"/>
-          </a:fillRef>
-          <a:effectRef idx="1">
-            <a:schemeClr val="accent2"/>
-          </a:effectRef>
-          <a:fontRef idx="minor">
-            <a:schemeClr val="dk1"/>
-          </a:fontRef>
-        </p:style>
-      </p:cxnSp>
-      <p:sp>
-        <p:nvSpPr>
-          <p:cNvPr id="83" name="Rectangle 8"/>
-          <p:cNvSpPr/>
-          <p:nvPr/>
-        </p:nvSpPr>
-        <p:spPr>
-          <a:xfrm>
-            <a:off x="7712397" y="3210194"/>
-            <a:ext cx="708186" cy="285783"/>
-          </a:xfrm>
-          <a:prstGeom prst="rect">
-            <a:avLst/>
-          </a:prstGeom>
-          <a:ln w="19050">
-            <a:solidFill>
-              <a:srgbClr val="7030A0"/>
-            </a:solidFill>
-          </a:ln>
-          <a:effectLst/>
-        </p:spPr>
-        <p:style>
-          <a:lnRef idx="1">
-            <a:schemeClr val="accent4"/>
-          </a:lnRef>
-          <a:fillRef idx="2">
-            <a:schemeClr val="accent4"/>
-          </a:fillRef>
-          <a:effectRef idx="1">
-            <a:schemeClr val="accent4"/>
-          </a:effectRef>
-          <a:fontRef idx="minor">
-            <a:schemeClr val="dk1"/>
-          </a:fontRef>
-        </p:style>
-        <p:txBody>
-          <a:bodyPr rtlCol="0" anchor="ctr"/>
-          <a:lstStyle/>
-          <a:p>
-            <a:pPr algn="ctr"/>
-            <a:r>
-              <a:rPr lang="en-US" sz="1050" dirty="0">
-                <a:solidFill>
-                  <a:srgbClr val="7030A0"/>
-                </a:solidFill>
-              </a:rPr>
-              <a:t>Email</a:t>
-            </a:r>
-            <a:endParaRPr lang="en-SG" sz="1050" dirty="0">
-              <a:solidFill>
-                <a:srgbClr val="7030A0"/>
-              </a:solidFill>
-            </a:endParaRPr>
-          </a:p>
-        </p:txBody>
-      </p:sp>
-      <p:cxnSp>
-        <p:nvCxnSpPr>
-          <p:cNvPr id="84" name="Elbow Connector 83"/>
-          <p:cNvCxnSpPr>
-            <a:stCxn id="78" idx="3"/>
-            <a:endCxn id="83" idx="1"/>
-          </p:cNvCxnSpPr>
-          <p:nvPr/>
-        </p:nvCxnSpPr>
-        <p:spPr>
-          <a:xfrm>
-            <a:off x="7277995" y="3034891"/>
-            <a:ext cx="434402" cy="318195"/>
-          </a:xfrm>
-          <a:prstGeom prst="bentConnector3">
-            <a:avLst/>
-          </a:prstGeom>
-          <a:ln w="19050">
-            <a:solidFill>
-              <a:srgbClr val="7030A0"/>
-            </a:solidFill>
-            <a:headEnd type="none" w="med" len="med"/>
-            <a:tailEnd type="arrow" w="med" len="med"/>
-          </a:ln>
-          <a:effectLst/>
-        </p:spPr>
-        <p:style>
-          <a:lnRef idx="1">
-            <a:schemeClr val="accent2"/>
-          </a:lnRef>
-          <a:fillRef idx="2">
-            <a:schemeClr val="accent2"/>
-          </a:fillRef>
-          <a:effectRef idx="1">
-            <a:schemeClr val="accent2"/>
-          </a:effectRef>
-          <a:fontRef idx="minor">
-            <a:schemeClr val="dk1"/>
-          </a:fontRef>
-        </p:style>
-      </p:cxnSp>
-      <p:sp>
-        <p:nvSpPr>
-          <p:cNvPr id="85" name="Rectangle 8"/>
-          <p:cNvSpPr/>
-          <p:nvPr/>
-        </p:nvSpPr>
-        <p:spPr>
-          <a:xfrm>
-            <a:off x="7712397" y="3533171"/>
-            <a:ext cx="708186" cy="285783"/>
-          </a:xfrm>
-          <a:prstGeom prst="rect">
-            <a:avLst/>
-          </a:prstGeom>
-          <a:ln w="19050">
-            <a:solidFill>
-              <a:srgbClr val="7030A0"/>
-            </a:solidFill>
-          </a:ln>
-          <a:effectLst/>
-        </p:spPr>
-        <p:style>
-          <a:lnRef idx="1">
-            <a:schemeClr val="accent4"/>
-          </a:lnRef>
-          <a:fillRef idx="2">
-            <a:schemeClr val="accent4"/>
-          </a:fillRef>
-          <a:effectRef idx="1">
-            <a:schemeClr val="accent4"/>
-          </a:effectRef>
-          <a:fontRef idx="minor">
-            <a:schemeClr val="dk1"/>
-          </a:fontRef>
-        </p:style>
-        <p:txBody>
-          <a:bodyPr rtlCol="0" anchor="ctr"/>
-          <a:lstStyle/>
-          <a:p>
-            <a:pPr algn="ctr"/>
-            <a:r>
-              <a:rPr lang="en-US" sz="1050" dirty="0">
-                <a:solidFill>
-                  <a:srgbClr val="7030A0"/>
-                </a:solidFill>
-              </a:rPr>
-              <a:t>Address</a:t>
-            </a:r>
-            <a:endParaRPr lang="en-SG" sz="1050" dirty="0">
-              <a:solidFill>
-                <a:srgbClr val="7030A0"/>
-              </a:solidFill>
-            </a:endParaRPr>
-          </a:p>
-        </p:txBody>
-      </p:sp>
-      <p:cxnSp>
-        <p:nvCxnSpPr>
-          <p:cNvPr id="86" name="Elbow Connector 85"/>
-          <p:cNvCxnSpPr>
-            <a:stCxn id="78" idx="3"/>
-            <a:endCxn id="85" idx="1"/>
-          </p:cNvCxnSpPr>
-          <p:nvPr/>
-        </p:nvCxnSpPr>
-        <p:spPr>
-          <a:xfrm>
-            <a:off x="7277995" y="3034891"/>
-            <a:ext cx="434402" cy="641172"/>
-          </a:xfrm>
-          <a:prstGeom prst="bentConnector3">
-            <a:avLst/>
-          </a:prstGeom>
-          <a:ln w="19050">
-            <a:solidFill>
-              <a:srgbClr val="7030A0"/>
-            </a:solidFill>
-            <a:headEnd type="none" w="med" len="med"/>
-            <a:tailEnd type="arrow" w="med" len="med"/>
-          </a:ln>
-          <a:effectLst/>
-        </p:spPr>
-        <p:style>
-          <a:lnRef idx="1">
-            <a:schemeClr val="accent2"/>
-          </a:lnRef>
-          <a:fillRef idx="2">
-            <a:schemeClr val="accent2"/>
-          </a:fillRef>
-          <a:effectRef idx="1">
-            <a:schemeClr val="accent2"/>
-          </a:effectRef>
-          <a:fontRef idx="minor">
-            <a:schemeClr val="dk1"/>
-          </a:fontRef>
-        </p:style>
-      </p:cxnSp>
-      <p:sp>
-        <p:nvSpPr>
-          <p:cNvPr id="114" name="TextBox 113"/>
-          <p:cNvSpPr txBox="1"/>
-          <p:nvPr/>
-        </p:nvSpPr>
-        <p:spPr>
-          <a:xfrm rot="16200000">
-            <a:off x="6362886" y="3586305"/>
-            <a:ext cx="881018" cy="261610"/>
-          </a:xfrm>
-          <a:prstGeom prst="rect">
-            <a:avLst/>
-          </a:prstGeom>
-          <a:noFill/>
-        </p:spPr>
-        <p:txBody>
-          <a:bodyPr wrap="square" rtlCol="0">
-            <a:spAutoFit/>
-          </a:bodyPr>
-          <a:lstStyle/>
-          <a:p>
-            <a:pPr algn="r"/>
-            <a:r>
-              <a:rPr lang="en-US" sz="1100" dirty="0">
-                <a:solidFill>
-                  <a:srgbClr val="7030A0"/>
-                </a:solidFill>
-              </a:rPr>
-              <a:t>filtered list</a:t>
-            </a:r>
-            <a:endParaRPr lang="en-SG" sz="1100" dirty="0">
-              <a:solidFill>
-                <a:srgbClr val="7030A0"/>
-              </a:solidFill>
-            </a:endParaRPr>
-          </a:p>
-        </p:txBody>
-      </p:sp>
-      <p:sp>
-        <p:nvSpPr>
-          <p:cNvPr id="122" name="Rectangle 8"/>
-          <p:cNvSpPr/>
-          <p:nvPr/>
-        </p:nvSpPr>
-        <p:spPr>
-          <a:xfrm>
-            <a:off x="2057401" y="4239491"/>
-            <a:ext cx="1066800" cy="346760"/>
-          </a:xfrm>
-          <a:prstGeom prst="rect">
-            <a:avLst/>
-          </a:prstGeom>
-          <a:ln w="19050">
-            <a:solidFill>
-              <a:srgbClr val="7030A0"/>
-            </a:solidFill>
-          </a:ln>
-          <a:effectLst/>
-        </p:spPr>
-        <p:style>
-          <a:lnRef idx="1">
-            <a:schemeClr val="accent4"/>
-          </a:lnRef>
-          <a:fillRef idx="2">
-            <a:schemeClr val="accent4"/>
-          </a:fillRef>
-          <a:effectRef idx="1">
-            <a:schemeClr val="accent4"/>
-          </a:effectRef>
-          <a:fontRef idx="minor">
-            <a:schemeClr val="dk1"/>
-          </a:fontRef>
-        </p:style>
-        <p:txBody>
-          <a:bodyPr rtlCol="0" anchor="ctr"/>
-          <a:lstStyle/>
-          <a:p>
-            <a:pPr algn="ctr"/>
-            <a:r>
-              <a:rPr lang="en-US" sz="1050" dirty="0">
-                <a:solidFill>
-                  <a:srgbClr val="7030A0"/>
-                </a:solidFill>
-              </a:rPr>
               <a:t>&lt;&lt;interface&gt;&gt;</a:t>
-            </a:r>
-            <a:r>
-              <a:rPr lang="en-US" sz="1050">
-                <a:solidFill>
-                  <a:srgbClr val="7030A0"/>
-                </a:solidFill>
-              </a:rPr>
-              <a:t/>
             </a:r>
             <a:br>
               <a:rPr lang="en-US" sz="1050">
@@ -5681,18 +5286,18 @@
         <p:nvCxnSpPr>
           <p:cNvPr id="90" name="Elbow Connector 63"/>
           <p:cNvCxnSpPr>
-            <a:stCxn id="91" idx="3"/>
+            <a:cxnSpLocks/>
           </p:cNvCxnSpPr>
           <p:nvPr/>
         </p:nvCxnSpPr>
         <p:spPr>
-          <a:xfrm rot="5400000">
-            <a:off x="3470636" y="2687353"/>
-            <a:ext cx="293825" cy="5938"/>
+          <a:xfrm>
+            <a:off x="2815314" y="2180342"/>
+            <a:ext cx="799266" cy="656892"/>
           </a:xfrm>
           <a:prstGeom prst="bentConnector3">
             <a:avLst>
-              <a:gd name="adj1" fmla="val 50000"/>
+              <a:gd name="adj1" fmla="val 86864"/>
             </a:avLst>
           </a:prstGeom>
           <a:ln w="19050">
@@ -5722,16 +5327,16 @@
       </p:cxnSp>
       <p:sp>
         <p:nvSpPr>
-          <p:cNvPr id="91" name="Isosceles Triangle 102"/>
+          <p:cNvPr id="92" name="Rectangle 8"/>
           <p:cNvSpPr/>
           <p:nvPr/>
         </p:nvSpPr>
         <p:spPr>
-          <a:xfrm rot="10800000" flipV="1">
-            <a:off x="3479324" y="2386348"/>
-            <a:ext cx="282387" cy="157062"/>
-          </a:xfrm>
-          <a:prstGeom prst="triangle">
+          <a:xfrm>
+            <a:off x="1177947" y="1998144"/>
+            <a:ext cx="1443661" cy="364396"/>
+          </a:xfrm>
+          <a:prstGeom prst="rect">
             <a:avLst/>
           </a:prstGeom>
           <a:ln w="19050">
@@ -5760,9 +5365,32 @@
           <a:lstStyle/>
           <a:p>
             <a:pPr algn="ctr"/>
-            <a:endParaRPr lang="en-SG" sz="1050" b="1">
+            <a:r>
+              <a:rPr lang="en-US" sz="1050" dirty="0">
+                <a:solidFill>
+                  <a:srgbClr val="7030A0"/>
+                </a:solidFill>
+              </a:rPr>
+              <a:t>&lt;&lt;interface&gt;&gt;</a:t>
+            </a:r>
+            <a:br>
+              <a:rPr lang="en-US" sz="1050" dirty="0">
+                <a:solidFill>
+                  <a:srgbClr val="7030A0"/>
+                </a:solidFill>
+              </a:rPr>
+            </a:br>
+            <a:r>
+              <a:rPr lang="en-US" sz="1050" dirty="0" err="1">
+                <a:solidFill>
+                  <a:srgbClr val="7030A0"/>
+                </a:solidFill>
+              </a:rPr>
+              <a:t>ReadOnlyHealthBase</a:t>
+            </a:r>
+            <a:endParaRPr lang="en-SG" sz="1050" dirty="0">
               <a:solidFill>
-                <a:srgbClr val="92D050"/>
+                <a:srgbClr val="7030A0"/>
               </a:solidFill>
             </a:endParaRPr>
           </a:p>
@@ -5770,14 +5398,72 @@
       </p:sp>
       <p:sp>
         <p:nvSpPr>
-          <p:cNvPr id="92" name="Rectangle 8"/>
+          <p:cNvPr id="94" name="Isosceles Triangle 102"/>
           <p:cNvSpPr/>
           <p:nvPr/>
         </p:nvSpPr>
         <p:spPr>
+          <a:xfrm rot="16200000">
+            <a:off x="2586098" y="2068952"/>
+            <a:ext cx="271014" cy="187417"/>
+          </a:xfrm>
+          <a:prstGeom prst="triangle">
+            <a:avLst>
+              <a:gd name="adj" fmla="val 44517"/>
+            </a:avLst>
+          </a:prstGeom>
+          <a:solidFill>
+            <a:schemeClr val="accent4">
+              <a:lumMod val="20000"/>
+              <a:lumOff val="80000"/>
+            </a:schemeClr>
+          </a:solidFill>
+          <a:ln w="19050">
+            <a:solidFill>
+              <a:srgbClr val="7030A0"/>
+            </a:solidFill>
+          </a:ln>
+          <a:effectLst/>
+        </p:spPr>
+        <p:style>
+          <a:lnRef idx="1">
+            <a:schemeClr val="accent6"/>
+          </a:lnRef>
+          <a:fillRef idx="2">
+            <a:schemeClr val="accent6"/>
+          </a:fillRef>
+          <a:effectRef idx="1">
+            <a:schemeClr val="accent6"/>
+          </a:effectRef>
+          <a:fontRef idx="minor">
+            <a:schemeClr val="dk1"/>
+          </a:fontRef>
+        </p:style>
+        <p:txBody>
+          <a:bodyPr rtlCol="0" anchor="ctr"/>
+          <a:lstStyle/>
+          <a:p>
+            <a:pPr algn="ctr"/>
+            <a:endParaRPr lang="en-SG" sz="1050"/>
+          </a:p>
+        </p:txBody>
+      </p:sp>
+      <p:sp>
+        <p:nvSpPr>
+          <p:cNvPr id="57" name="Rectangle 8">
+            <a:extLst>
+              <a:ext uri="{FF2B5EF4-FFF2-40B4-BE49-F238E27FC236}">
+                <a16:creationId xmlns:a16="http://schemas.microsoft.com/office/drawing/2014/main" id="{10402E86-4752-47CD-9761-A5D64B84FB6D}"/>
+              </a:ext>
+            </a:extLst>
+          </p:cNvPr>
+          <p:cNvSpPr/>
+          <p:nvPr/>
+        </p:nvSpPr>
+        <p:spPr>
           <a:xfrm>
-            <a:off x="1177947" y="1998144"/>
-            <a:ext cx="1443661" cy="364396"/>
+            <a:off x="7712397" y="2564238"/>
+            <a:ext cx="708186" cy="285783"/>
           </a:xfrm>
           <a:prstGeom prst="rect">
             <a:avLst/>
@@ -5814,22 +5500,7 @@
                   <a:srgbClr val="7030A0"/>
                 </a:solidFill>
               </a:rPr>
-              <a:t>&lt;&lt;interface&gt;&gt;</a:t>
-            </a:r>
-            <a:br>
-              <a:rPr lang="en-US" sz="1050" dirty="0">
-                <a:solidFill>
-                  <a:srgbClr val="7030A0"/>
-                </a:solidFill>
-              </a:rPr>
-            </a:br>
-            <a:r>
-              <a:rPr lang="en-US" sz="1050" dirty="0" err="1">
-                <a:solidFill>
-                  <a:srgbClr val="7030A0"/>
-                </a:solidFill>
-              </a:rPr>
-              <a:t>ReadOnlyAddressBook</a:t>
+              <a:t>Name</a:t>
             </a:r>
             <a:endParaRPr lang="en-SG" sz="1050" dirty="0">
               <a:solidFill>
@@ -5841,14 +5512,119 @@
       </p:sp>
       <p:sp>
         <p:nvSpPr>
-          <p:cNvPr id="93" name="Rectangle 8"/>
+          <p:cNvPr id="60" name="Flowchart: Decision 96">
+            <a:extLst>
+              <a:ext uri="{FF2B5EF4-FFF2-40B4-BE49-F238E27FC236}">
+                <a16:creationId xmlns:a16="http://schemas.microsoft.com/office/drawing/2014/main" id="{87EDB4C5-7399-434A-BB14-20CF642D03E9}"/>
+              </a:ext>
+            </a:extLst>
+          </p:cNvPr>
           <p:cNvSpPr/>
           <p:nvPr/>
         </p:nvSpPr>
         <p:spPr>
           <a:xfrm>
-            <a:off x="3087206" y="1998144"/>
-            <a:ext cx="1060683" cy="364396"/>
+            <a:off x="7041947" y="2948201"/>
+            <a:ext cx="236048" cy="173380"/>
+          </a:xfrm>
+          <a:prstGeom prst="flowChartDecision">
+            <a:avLst/>
+          </a:prstGeom>
+          <a:solidFill>
+            <a:srgbClr val="7030A0"/>
+          </a:solidFill>
+          <a:ln w="19050">
+            <a:solidFill>
+              <a:srgbClr val="7030A0"/>
+            </a:solidFill>
+          </a:ln>
+          <a:effectLst/>
+        </p:spPr>
+        <p:style>
+          <a:lnRef idx="1">
+            <a:schemeClr val="accent6"/>
+          </a:lnRef>
+          <a:fillRef idx="2">
+            <a:schemeClr val="accent6"/>
+          </a:fillRef>
+          <a:effectRef idx="1">
+            <a:schemeClr val="accent6"/>
+          </a:effectRef>
+          <a:fontRef idx="minor">
+            <a:schemeClr val="dk1"/>
+          </a:fontRef>
+        </p:style>
+        <p:txBody>
+          <a:bodyPr rtlCol="0" anchor="ctr"/>
+          <a:lstStyle/>
+          <a:p>
+            <a:pPr algn="ctr"/>
+            <a:endParaRPr lang="en-US" sz="1050"/>
+          </a:p>
+        </p:txBody>
+      </p:sp>
+      <p:cxnSp>
+        <p:nvCxnSpPr>
+          <p:cNvPr id="73" name="Elbow Connector 78">
+            <a:extLst>
+              <a:ext uri="{FF2B5EF4-FFF2-40B4-BE49-F238E27FC236}">
+                <a16:creationId xmlns:a16="http://schemas.microsoft.com/office/drawing/2014/main" id="{0D4991B6-0821-4C73-8DD2-9E0324834D16}"/>
+              </a:ext>
+            </a:extLst>
+          </p:cNvPr>
+          <p:cNvCxnSpPr>
+            <a:cxnSpLocks/>
+          </p:cNvCxnSpPr>
+          <p:nvPr/>
+        </p:nvCxnSpPr>
+        <p:spPr>
+          <a:xfrm flipV="1">
+            <a:off x="7277995" y="2706821"/>
+            <a:ext cx="434402" cy="327761"/>
+          </a:xfrm>
+          <a:prstGeom prst="bentConnector3">
+            <a:avLst/>
+          </a:prstGeom>
+          <a:ln w="19050">
+            <a:solidFill>
+              <a:srgbClr val="7030A0"/>
+            </a:solidFill>
+            <a:headEnd type="none" w="med" len="med"/>
+            <a:tailEnd type="arrow" w="med" len="med"/>
+          </a:ln>
+          <a:effectLst/>
+        </p:spPr>
+        <p:style>
+          <a:lnRef idx="1">
+            <a:schemeClr val="accent2"/>
+          </a:lnRef>
+          <a:fillRef idx="2">
+            <a:schemeClr val="accent2"/>
+          </a:fillRef>
+          <a:effectRef idx="1">
+            <a:schemeClr val="accent2"/>
+          </a:effectRef>
+          <a:fontRef idx="minor">
+            <a:schemeClr val="dk1"/>
+          </a:fontRef>
+        </p:style>
+      </p:cxnSp>
+      <p:sp>
+        <p:nvSpPr>
+          <p:cNvPr id="74" name="Rectangle 8">
+            <a:extLst>
+              <a:ext uri="{FF2B5EF4-FFF2-40B4-BE49-F238E27FC236}">
+                <a16:creationId xmlns:a16="http://schemas.microsoft.com/office/drawing/2014/main" id="{336107D4-6D7A-4FD2-B023-3EF96E22CEFC}"/>
+              </a:ext>
+            </a:extLst>
+          </p:cNvPr>
+          <p:cNvSpPr/>
+          <p:nvPr/>
+        </p:nvSpPr>
+        <p:spPr>
+          <a:xfrm>
+            <a:off x="7712397" y="2887216"/>
+            <a:ext cx="708186" cy="285783"/>
           </a:xfrm>
           <a:prstGeom prst="rect">
             <a:avLst/>
@@ -5880,12 +5656,12 @@
           <a:p>
             <a:pPr algn="ctr"/>
             <a:r>
-              <a:rPr lang="en-US" sz="1050" dirty="0" err="1">
+              <a:rPr lang="en-US" sz="1050" dirty="0">
                 <a:solidFill>
                   <a:srgbClr val="7030A0"/>
                 </a:solidFill>
               </a:rPr>
-              <a:t>AddressBook</a:t>
+              <a:t>Phone</a:t>
             </a:r>
             <a:endParaRPr lang="en-SG" sz="1050" dirty="0">
               <a:solidFill>
@@ -5895,28 +5671,73 @@
           </a:p>
         </p:txBody>
       </p:sp>
-      <p:sp>
-        <p:nvSpPr>
-          <p:cNvPr id="94" name="Isosceles Triangle 102"/>
+      <p:cxnSp>
+        <p:nvCxnSpPr>
+          <p:cNvPr id="77" name="Elbow Connector 80">
+            <a:extLst>
+              <a:ext uri="{FF2B5EF4-FFF2-40B4-BE49-F238E27FC236}">
+                <a16:creationId xmlns:a16="http://schemas.microsoft.com/office/drawing/2014/main" id="{928EA525-E782-42F1-8C40-B38D23552146}"/>
+              </a:ext>
+            </a:extLst>
+          </p:cNvPr>
+          <p:cNvCxnSpPr>
+            <a:stCxn id="60" idx="3"/>
+            <a:endCxn id="74" idx="1"/>
+          </p:cNvCxnSpPr>
+          <p:nvPr/>
+        </p:nvCxnSpPr>
+        <p:spPr>
+          <a:xfrm flipV="1">
+            <a:off x="7277995" y="3030108"/>
+            <a:ext cx="434402" cy="4783"/>
+          </a:xfrm>
+          <a:prstGeom prst="bentConnector3">
+            <a:avLst/>
+          </a:prstGeom>
+          <a:ln w="19050">
+            <a:solidFill>
+              <a:srgbClr val="7030A0"/>
+            </a:solidFill>
+            <a:headEnd type="none" w="med" len="med"/>
+            <a:tailEnd type="arrow" w="med" len="med"/>
+          </a:ln>
+          <a:effectLst/>
+        </p:spPr>
+        <p:style>
+          <a:lnRef idx="1">
+            <a:schemeClr val="accent2"/>
+          </a:lnRef>
+          <a:fillRef idx="2">
+            <a:schemeClr val="accent2"/>
+          </a:fillRef>
+          <a:effectRef idx="1">
+            <a:schemeClr val="accent2"/>
+          </a:effectRef>
+          <a:fontRef idx="minor">
+            <a:schemeClr val="dk1"/>
+          </a:fontRef>
+        </p:style>
+      </p:cxnSp>
+      <p:sp>
+        <p:nvSpPr>
+          <p:cNvPr id="82" name="Rectangle 8">
+            <a:extLst>
+              <a:ext uri="{FF2B5EF4-FFF2-40B4-BE49-F238E27FC236}">
+                <a16:creationId xmlns:a16="http://schemas.microsoft.com/office/drawing/2014/main" id="{00CE1A60-07C7-4FA6-B0A4-FA2E942BEC0E}"/>
+              </a:ext>
+            </a:extLst>
+          </p:cNvPr>
           <p:cNvSpPr/>
           <p:nvPr/>
         </p:nvSpPr>
         <p:spPr>
-          <a:xfrm rot="16200000">
-            <a:off x="2586098" y="2068952"/>
-            <a:ext cx="271014" cy="187417"/>
-          </a:xfrm>
-          <a:prstGeom prst="triangle">
-            <a:avLst>
-              <a:gd name="adj" fmla="val 44517"/>
-            </a:avLst>
-          </a:prstGeom>
-          <a:solidFill>
-            <a:schemeClr val="accent4">
-              <a:lumMod val="20000"/>
-              <a:lumOff val="80000"/>
-            </a:schemeClr>
-          </a:solidFill>
+          <a:xfrm>
+            <a:off x="7712397" y="3210194"/>
+            <a:ext cx="708186" cy="285783"/>
+          </a:xfrm>
+          <a:prstGeom prst="rect">
+            <a:avLst/>
+          </a:prstGeom>
           <a:ln w="19050">
             <a:solidFill>
               <a:srgbClr val="7030A0"/>
@@ -5926,13 +5747,13 @@
         </p:spPr>
         <p:style>
           <a:lnRef idx="1">
-            <a:schemeClr val="accent6"/>
+            <a:schemeClr val="accent4"/>
           </a:lnRef>
           <a:fillRef idx="2">
-            <a:schemeClr val="accent6"/>
+            <a:schemeClr val="accent4"/>
           </a:fillRef>
           <a:effectRef idx="1">
-            <a:schemeClr val="accent6"/>
+            <a:schemeClr val="accent4"/>
           </a:effectRef>
           <a:fontRef idx="minor">
             <a:schemeClr val="dk1"/>
@@ -5943,23 +5764,260 @@
           <a:lstStyle/>
           <a:p>
             <a:pPr algn="ctr"/>
-            <a:endParaRPr lang="en-SG" sz="1050"/>
+            <a:r>
+              <a:rPr lang="en-US" sz="1050" dirty="0">
+                <a:solidFill>
+                  <a:srgbClr val="7030A0"/>
+                </a:solidFill>
+              </a:rPr>
+              <a:t>Email</a:t>
+            </a:r>
+            <a:endParaRPr lang="en-SG" sz="1050" dirty="0">
+              <a:solidFill>
+                <a:srgbClr val="7030A0"/>
+              </a:solidFill>
+            </a:endParaRPr>
           </a:p>
         </p:txBody>
       </p:sp>
       <p:cxnSp>
         <p:nvCxnSpPr>
-          <p:cNvPr id="95" name="Elbow Connector 63"/>
+          <p:cNvPr id="87" name="Elbow Connector 83">
+            <a:extLst>
+              <a:ext uri="{FF2B5EF4-FFF2-40B4-BE49-F238E27FC236}">
+                <a16:creationId xmlns:a16="http://schemas.microsoft.com/office/drawing/2014/main" id="{BD9A1D4D-AF73-4894-9CE6-AC1A92EC9794}"/>
+              </a:ext>
+            </a:extLst>
+          </p:cNvPr>
           <p:cNvCxnSpPr>
-            <a:stCxn id="94" idx="3"/>
-            <a:endCxn id="93" idx="1"/>
+            <a:stCxn id="60" idx="3"/>
+            <a:endCxn id="82" idx="1"/>
           </p:cNvCxnSpPr>
           <p:nvPr/>
         </p:nvCxnSpPr>
         <p:spPr>
           <a:xfrm>
-            <a:off x="2815314" y="2177521"/>
-            <a:ext cx="271892" cy="2821"/>
+            <a:off x="7277995" y="3034891"/>
+            <a:ext cx="434402" cy="318195"/>
+          </a:xfrm>
+          <a:prstGeom prst="bentConnector3">
+            <a:avLst/>
+          </a:prstGeom>
+          <a:ln w="19050">
+            <a:solidFill>
+              <a:srgbClr val="7030A0"/>
+            </a:solidFill>
+            <a:headEnd type="none" w="med" len="med"/>
+            <a:tailEnd type="arrow" w="med" len="med"/>
+          </a:ln>
+          <a:effectLst/>
+        </p:spPr>
+        <p:style>
+          <a:lnRef idx="1">
+            <a:schemeClr val="accent2"/>
+          </a:lnRef>
+          <a:fillRef idx="2">
+            <a:schemeClr val="accent2"/>
+          </a:fillRef>
+          <a:effectRef idx="1">
+            <a:schemeClr val="accent2"/>
+          </a:effectRef>
+          <a:fontRef idx="minor">
+            <a:schemeClr val="dk1"/>
+          </a:fontRef>
+        </p:style>
+      </p:cxnSp>
+      <p:sp>
+        <p:nvSpPr>
+          <p:cNvPr id="88" name="Rectangle 8">
+            <a:extLst>
+              <a:ext uri="{FF2B5EF4-FFF2-40B4-BE49-F238E27FC236}">
+                <a16:creationId xmlns:a16="http://schemas.microsoft.com/office/drawing/2014/main" id="{0B635CCD-B5DA-4E40-82BA-AC8BA8CBA868}"/>
+              </a:ext>
+            </a:extLst>
+          </p:cNvPr>
+          <p:cNvSpPr/>
+          <p:nvPr/>
+        </p:nvSpPr>
+        <p:spPr>
+          <a:xfrm>
+            <a:off x="7712397" y="3533171"/>
+            <a:ext cx="708186" cy="285783"/>
+          </a:xfrm>
+          <a:prstGeom prst="rect">
+            <a:avLst/>
+          </a:prstGeom>
+          <a:ln w="19050">
+            <a:solidFill>
+              <a:srgbClr val="7030A0"/>
+            </a:solidFill>
+          </a:ln>
+          <a:effectLst/>
+        </p:spPr>
+        <p:style>
+          <a:lnRef idx="1">
+            <a:schemeClr val="accent4"/>
+          </a:lnRef>
+          <a:fillRef idx="2">
+            <a:schemeClr val="accent4"/>
+          </a:fillRef>
+          <a:effectRef idx="1">
+            <a:schemeClr val="accent4"/>
+          </a:effectRef>
+          <a:fontRef idx="minor">
+            <a:schemeClr val="dk1"/>
+          </a:fontRef>
+        </p:style>
+        <p:txBody>
+          <a:bodyPr rtlCol="0" anchor="ctr"/>
+          <a:lstStyle/>
+          <a:p>
+            <a:pPr algn="ctr"/>
+            <a:r>
+              <a:rPr lang="en-US" sz="1050" dirty="0">
+                <a:solidFill>
+                  <a:srgbClr val="7030A0"/>
+                </a:solidFill>
+              </a:rPr>
+              <a:t>Address</a:t>
+            </a:r>
+            <a:endParaRPr lang="en-SG" sz="1050" dirty="0">
+              <a:solidFill>
+                <a:srgbClr val="7030A0"/>
+              </a:solidFill>
+            </a:endParaRPr>
+          </a:p>
+        </p:txBody>
+      </p:sp>
+      <p:cxnSp>
+        <p:nvCxnSpPr>
+          <p:cNvPr id="89" name="Elbow Connector 85">
+            <a:extLst>
+              <a:ext uri="{FF2B5EF4-FFF2-40B4-BE49-F238E27FC236}">
+                <a16:creationId xmlns:a16="http://schemas.microsoft.com/office/drawing/2014/main" id="{87003A1C-5A71-4275-AFA4-875EA9F65677}"/>
+              </a:ext>
+            </a:extLst>
+          </p:cNvPr>
+          <p:cNvCxnSpPr>
+            <a:stCxn id="60" idx="3"/>
+            <a:endCxn id="88" idx="1"/>
+          </p:cNvCxnSpPr>
+          <p:nvPr/>
+        </p:nvCxnSpPr>
+        <p:spPr>
+          <a:xfrm>
+            <a:off x="7277995" y="3034891"/>
+            <a:ext cx="434402" cy="641172"/>
+          </a:xfrm>
+          <a:prstGeom prst="bentConnector3">
+            <a:avLst/>
+          </a:prstGeom>
+          <a:ln w="19050">
+            <a:solidFill>
+              <a:srgbClr val="7030A0"/>
+            </a:solidFill>
+            <a:headEnd type="none" w="med" len="med"/>
+            <a:tailEnd type="arrow" w="med" len="med"/>
+          </a:ln>
+          <a:effectLst/>
+        </p:spPr>
+        <p:style>
+          <a:lnRef idx="1">
+            <a:schemeClr val="accent2"/>
+          </a:lnRef>
+          <a:fillRef idx="2">
+            <a:schemeClr val="accent2"/>
+          </a:fillRef>
+          <a:effectRef idx="1">
+            <a:schemeClr val="accent2"/>
+          </a:effectRef>
+          <a:fontRef idx="minor">
+            <a:schemeClr val="dk1"/>
+          </a:fontRef>
+        </p:style>
+      </p:cxnSp>
+      <p:sp>
+        <p:nvSpPr>
+          <p:cNvPr id="96" name="Rectangle 8">
+            <a:extLst>
+              <a:ext uri="{FF2B5EF4-FFF2-40B4-BE49-F238E27FC236}">
+                <a16:creationId xmlns:a16="http://schemas.microsoft.com/office/drawing/2014/main" id="{92A81BE6-F659-4E8F-A880-7FC359A2BA1D}"/>
+              </a:ext>
+            </a:extLst>
+          </p:cNvPr>
+          <p:cNvSpPr/>
+          <p:nvPr/>
+        </p:nvSpPr>
+        <p:spPr>
+          <a:xfrm>
+            <a:off x="7712394" y="1855458"/>
+            <a:ext cx="708186" cy="285783"/>
+          </a:xfrm>
+          <a:prstGeom prst="rect">
+            <a:avLst/>
+          </a:prstGeom>
+          <a:ln w="19050">
+            <a:solidFill>
+              <a:srgbClr val="7030A0"/>
+            </a:solidFill>
+          </a:ln>
+          <a:effectLst/>
+        </p:spPr>
+        <p:style>
+          <a:lnRef idx="1">
+            <a:schemeClr val="accent4"/>
+          </a:lnRef>
+          <a:fillRef idx="2">
+            <a:schemeClr val="accent4"/>
+          </a:fillRef>
+          <a:effectRef idx="1">
+            <a:schemeClr val="accent4"/>
+          </a:effectRef>
+          <a:fontRef idx="minor">
+            <a:schemeClr val="dk1"/>
+          </a:fontRef>
+        </p:style>
+        <p:txBody>
+          <a:bodyPr rtlCol="0" anchor="ctr"/>
+          <a:lstStyle/>
+          <a:p>
+            <a:pPr algn="ctr"/>
+            <a:r>
+              <a:rPr lang="en-US" sz="1050" dirty="0">
+                <a:solidFill>
+                  <a:srgbClr val="7030A0"/>
+                </a:solidFill>
+              </a:rPr>
+              <a:t>Tag</a:t>
+            </a:r>
+            <a:endParaRPr lang="en-SG" sz="1050" dirty="0">
+              <a:solidFill>
+                <a:srgbClr val="7030A0"/>
+              </a:solidFill>
+            </a:endParaRPr>
+          </a:p>
+        </p:txBody>
+      </p:sp>
+      <p:cxnSp>
+        <p:nvCxnSpPr>
+          <p:cNvPr id="97" name="Elbow Connector 78">
+            <a:extLst>
+              <a:ext uri="{FF2B5EF4-FFF2-40B4-BE49-F238E27FC236}">
+                <a16:creationId xmlns:a16="http://schemas.microsoft.com/office/drawing/2014/main" id="{2C00E4F1-A8DD-425E-9038-E2F1E02E5E93}"/>
+              </a:ext>
+            </a:extLst>
+          </p:cNvPr>
+          <p:cNvCxnSpPr>
+            <a:cxnSpLocks/>
+            <a:stCxn id="60" idx="3"/>
+            <a:endCxn id="96" idx="1"/>
+          </p:cNvCxnSpPr>
+          <p:nvPr/>
+        </p:nvCxnSpPr>
+        <p:spPr>
+          <a:xfrm flipV="1">
+            <a:off x="7277995" y="1998350"/>
+            <a:ext cx="434399" cy="1036541"/>
           </a:xfrm>
           <a:prstGeom prst="bentConnector3">
             <a:avLst>
@@ -5970,9 +6028,716 @@
             <a:solidFill>
               <a:srgbClr val="7030A0"/>
             </a:solidFill>
-            <a:prstDash val="sysDot"/>
             <a:headEnd type="none" w="med" len="med"/>
-            <a:tailEnd type="none" w="med" len="med"/>
+            <a:tailEnd type="arrow" w="med" len="med"/>
+          </a:ln>
+          <a:effectLst/>
+        </p:spPr>
+        <p:style>
+          <a:lnRef idx="1">
+            <a:schemeClr val="accent2"/>
+          </a:lnRef>
+          <a:fillRef idx="2">
+            <a:schemeClr val="accent2"/>
+          </a:fillRef>
+          <a:effectRef idx="1">
+            <a:schemeClr val="accent2"/>
+          </a:effectRef>
+          <a:fontRef idx="minor">
+            <a:schemeClr val="dk1"/>
+          </a:fontRef>
+        </p:style>
+      </p:cxnSp>
+      <p:sp>
+        <p:nvSpPr>
+          <p:cNvPr id="98" name="TextBox 97">
+            <a:extLst>
+              <a:ext uri="{FF2B5EF4-FFF2-40B4-BE49-F238E27FC236}">
+                <a16:creationId xmlns:a16="http://schemas.microsoft.com/office/drawing/2014/main" id="{616E1F77-813D-4E73-9B42-C9B2463707BB}"/>
+              </a:ext>
+            </a:extLst>
+          </p:cNvPr>
+          <p:cNvSpPr txBox="1"/>
+          <p:nvPr/>
+        </p:nvSpPr>
+        <p:spPr>
+          <a:xfrm>
+            <a:off x="7471701" y="1855458"/>
+            <a:ext cx="189257" cy="178683"/>
+          </a:xfrm>
+          <a:prstGeom prst="rect">
+            <a:avLst/>
+          </a:prstGeom>
+          <a:noFill/>
+        </p:spPr>
+        <p:txBody>
+          <a:bodyPr wrap="square" lIns="0" tIns="0" rIns="0" bIns="0" rtlCol="0">
+            <a:noAutofit/>
+          </a:bodyPr>
+          <a:lstStyle/>
+          <a:p>
+            <a:pPr algn="ctr"/>
+            <a:r>
+              <a:rPr lang="en-US" sz="1100" dirty="0">
+                <a:solidFill>
+                  <a:srgbClr val="7030A0"/>
+                </a:solidFill>
+              </a:rPr>
+              <a:t>*</a:t>
+            </a:r>
+            <a:endParaRPr lang="en-SG" sz="1100" dirty="0">
+              <a:solidFill>
+                <a:srgbClr val="7030A0"/>
+              </a:solidFill>
+            </a:endParaRPr>
+          </a:p>
+        </p:txBody>
+      </p:sp>
+      <p:sp>
+        <p:nvSpPr>
+          <p:cNvPr id="99" name="Rectangle 8">
+            <a:extLst>
+              <a:ext uri="{FF2B5EF4-FFF2-40B4-BE49-F238E27FC236}">
+                <a16:creationId xmlns:a16="http://schemas.microsoft.com/office/drawing/2014/main" id="{FDC9F677-5003-4233-AF78-A0AD3FBCCCA2}"/>
+              </a:ext>
+            </a:extLst>
+          </p:cNvPr>
+          <p:cNvSpPr/>
+          <p:nvPr/>
+        </p:nvSpPr>
+        <p:spPr>
+          <a:xfrm>
+            <a:off x="7712397" y="3856148"/>
+            <a:ext cx="708186" cy="285783"/>
+          </a:xfrm>
+          <a:prstGeom prst="rect">
+            <a:avLst/>
+          </a:prstGeom>
+          <a:ln w="19050">
+            <a:solidFill>
+              <a:srgbClr val="7030A0"/>
+            </a:solidFill>
+          </a:ln>
+          <a:effectLst/>
+        </p:spPr>
+        <p:style>
+          <a:lnRef idx="1">
+            <a:schemeClr val="accent4"/>
+          </a:lnRef>
+          <a:fillRef idx="2">
+            <a:schemeClr val="accent4"/>
+          </a:fillRef>
+          <a:effectRef idx="1">
+            <a:schemeClr val="accent4"/>
+          </a:effectRef>
+          <a:fontRef idx="minor">
+            <a:schemeClr val="dk1"/>
+          </a:fontRef>
+        </p:style>
+        <p:txBody>
+          <a:bodyPr rtlCol="0" anchor="ctr"/>
+          <a:lstStyle/>
+          <a:p>
+            <a:pPr algn="ctr"/>
+            <a:r>
+              <a:rPr lang="en-US" sz="800" dirty="0" err="1">
+                <a:solidFill>
+                  <a:srgbClr val="7030A0"/>
+                </a:solidFill>
+              </a:rPr>
+              <a:t>PrescriptionList</a:t>
+            </a:r>
+            <a:endParaRPr lang="en-SG" sz="800" dirty="0">
+              <a:solidFill>
+                <a:srgbClr val="7030A0"/>
+              </a:solidFill>
+            </a:endParaRPr>
+          </a:p>
+        </p:txBody>
+      </p:sp>
+      <p:cxnSp>
+        <p:nvCxnSpPr>
+          <p:cNvPr id="100" name="Elbow Connector 80">
+            <a:extLst>
+              <a:ext uri="{FF2B5EF4-FFF2-40B4-BE49-F238E27FC236}">
+                <a16:creationId xmlns:a16="http://schemas.microsoft.com/office/drawing/2014/main" id="{FA643E18-9433-4AA7-85AF-9D9E148F6FE6}"/>
+              </a:ext>
+            </a:extLst>
+          </p:cNvPr>
+          <p:cNvCxnSpPr>
+            <a:cxnSpLocks/>
+          </p:cNvCxnSpPr>
+          <p:nvPr/>
+        </p:nvCxnSpPr>
+        <p:spPr>
+          <a:xfrm rot="16200000" flipH="1">
+            <a:off x="7452559" y="3728165"/>
+            <a:ext cx="302475" cy="217201"/>
+          </a:xfrm>
+          <a:prstGeom prst="bentConnector3">
+            <a:avLst>
+              <a:gd name="adj1" fmla="val 100384"/>
+            </a:avLst>
+          </a:prstGeom>
+          <a:ln w="19050">
+            <a:solidFill>
+              <a:srgbClr val="7030A0"/>
+            </a:solidFill>
+            <a:headEnd type="none" w="med" len="med"/>
+            <a:tailEnd type="arrow" w="med" len="med"/>
+          </a:ln>
+          <a:effectLst/>
+        </p:spPr>
+        <p:style>
+          <a:lnRef idx="1">
+            <a:schemeClr val="accent2"/>
+          </a:lnRef>
+          <a:fillRef idx="2">
+            <a:schemeClr val="accent2"/>
+          </a:fillRef>
+          <a:effectRef idx="1">
+            <a:schemeClr val="accent2"/>
+          </a:effectRef>
+          <a:fontRef idx="minor">
+            <a:schemeClr val="dk1"/>
+          </a:fontRef>
+        </p:style>
+      </p:cxnSp>
+      <p:sp>
+        <p:nvSpPr>
+          <p:cNvPr id="101" name="Rectangle 8">
+            <a:extLst>
+              <a:ext uri="{FF2B5EF4-FFF2-40B4-BE49-F238E27FC236}">
+                <a16:creationId xmlns:a16="http://schemas.microsoft.com/office/drawing/2014/main" id="{9A7110BB-238E-4E90-A0B0-E9970840D1EA}"/>
+              </a:ext>
+            </a:extLst>
+          </p:cNvPr>
+          <p:cNvSpPr/>
+          <p:nvPr/>
+        </p:nvSpPr>
+        <p:spPr>
+          <a:xfrm>
+            <a:off x="7712397" y="4179125"/>
+            <a:ext cx="708186" cy="285783"/>
+          </a:xfrm>
+          <a:prstGeom prst="rect">
+            <a:avLst/>
+          </a:prstGeom>
+          <a:ln w="19050">
+            <a:solidFill>
+              <a:srgbClr val="7030A0"/>
+            </a:solidFill>
+          </a:ln>
+          <a:effectLst/>
+        </p:spPr>
+        <p:style>
+          <a:lnRef idx="1">
+            <a:schemeClr val="accent4"/>
+          </a:lnRef>
+          <a:fillRef idx="2">
+            <a:schemeClr val="accent4"/>
+          </a:fillRef>
+          <a:effectRef idx="1">
+            <a:schemeClr val="accent4"/>
+          </a:effectRef>
+          <a:fontRef idx="minor">
+            <a:schemeClr val="dk1"/>
+          </a:fontRef>
+        </p:style>
+        <p:txBody>
+          <a:bodyPr rtlCol="0" anchor="ctr"/>
+          <a:lstStyle/>
+          <a:p>
+            <a:pPr algn="ctr"/>
+            <a:r>
+              <a:rPr lang="en-US" sz="700" dirty="0" err="1">
+                <a:solidFill>
+                  <a:srgbClr val="7030A0"/>
+                </a:solidFill>
+              </a:rPr>
+              <a:t>AppointmentsList</a:t>
+            </a:r>
+            <a:endParaRPr lang="en-SG" sz="700" dirty="0">
+              <a:solidFill>
+                <a:srgbClr val="7030A0"/>
+              </a:solidFill>
+            </a:endParaRPr>
+          </a:p>
+        </p:txBody>
+      </p:sp>
+      <p:sp>
+        <p:nvSpPr>
+          <p:cNvPr id="102" name="Rectangle 8">
+            <a:extLst>
+              <a:ext uri="{FF2B5EF4-FFF2-40B4-BE49-F238E27FC236}">
+                <a16:creationId xmlns:a16="http://schemas.microsoft.com/office/drawing/2014/main" id="{784725EA-CED1-4761-A57A-F917C2066FFD}"/>
+              </a:ext>
+            </a:extLst>
+          </p:cNvPr>
+          <p:cNvSpPr/>
+          <p:nvPr/>
+        </p:nvSpPr>
+        <p:spPr>
+          <a:xfrm>
+            <a:off x="7712397" y="4504839"/>
+            <a:ext cx="708186" cy="285783"/>
+          </a:xfrm>
+          <a:prstGeom prst="rect">
+            <a:avLst/>
+          </a:prstGeom>
+          <a:ln w="19050">
+            <a:solidFill>
+              <a:srgbClr val="7030A0"/>
+            </a:solidFill>
+          </a:ln>
+          <a:effectLst/>
+        </p:spPr>
+        <p:style>
+          <a:lnRef idx="1">
+            <a:schemeClr val="accent4"/>
+          </a:lnRef>
+          <a:fillRef idx="2">
+            <a:schemeClr val="accent4"/>
+          </a:fillRef>
+          <a:effectRef idx="1">
+            <a:schemeClr val="accent4"/>
+          </a:effectRef>
+          <a:fontRef idx="minor">
+            <a:schemeClr val="dk1"/>
+          </a:fontRef>
+        </p:style>
+        <p:txBody>
+          <a:bodyPr rtlCol="0" anchor="ctr"/>
+          <a:lstStyle/>
+          <a:p>
+            <a:pPr algn="ctr"/>
+            <a:r>
+              <a:rPr lang="en-US" sz="900" dirty="0">
+                <a:solidFill>
+                  <a:srgbClr val="7030A0"/>
+                </a:solidFill>
+              </a:rPr>
+              <a:t>Medical</a:t>
+            </a:r>
+          </a:p>
+          <a:p>
+            <a:pPr algn="ctr"/>
+            <a:r>
+              <a:rPr lang="en-US" sz="900" dirty="0">
+                <a:solidFill>
+                  <a:srgbClr val="7030A0"/>
+                </a:solidFill>
+              </a:rPr>
+              <a:t>History</a:t>
+            </a:r>
+            <a:endParaRPr lang="en-SG" sz="900" dirty="0">
+              <a:solidFill>
+                <a:srgbClr val="7030A0"/>
+              </a:solidFill>
+            </a:endParaRPr>
+          </a:p>
+        </p:txBody>
+      </p:sp>
+      <p:cxnSp>
+        <p:nvCxnSpPr>
+          <p:cNvPr id="103" name="Elbow Connector 80">
+            <a:extLst>
+              <a:ext uri="{FF2B5EF4-FFF2-40B4-BE49-F238E27FC236}">
+                <a16:creationId xmlns:a16="http://schemas.microsoft.com/office/drawing/2014/main" id="{F595E51C-C459-4819-8D37-AAE0E32A19B8}"/>
+              </a:ext>
+            </a:extLst>
+          </p:cNvPr>
+          <p:cNvCxnSpPr>
+            <a:cxnSpLocks/>
+            <a:endCxn id="101" idx="1"/>
+          </p:cNvCxnSpPr>
+          <p:nvPr/>
+        </p:nvCxnSpPr>
+        <p:spPr>
+          <a:xfrm rot="16200000" flipH="1">
+            <a:off x="7436791" y="4046411"/>
+            <a:ext cx="334012" cy="217200"/>
+          </a:xfrm>
+          <a:prstGeom prst="bentConnector2">
+            <a:avLst/>
+          </a:prstGeom>
+          <a:ln w="19050">
+            <a:solidFill>
+              <a:srgbClr val="7030A0"/>
+            </a:solidFill>
+            <a:headEnd type="none" w="med" len="med"/>
+            <a:tailEnd type="arrow" w="med" len="med"/>
+          </a:ln>
+          <a:effectLst/>
+        </p:spPr>
+        <p:style>
+          <a:lnRef idx="1">
+            <a:schemeClr val="accent2"/>
+          </a:lnRef>
+          <a:fillRef idx="2">
+            <a:schemeClr val="accent2"/>
+          </a:fillRef>
+          <a:effectRef idx="1">
+            <a:schemeClr val="accent2"/>
+          </a:effectRef>
+          <a:fontRef idx="minor">
+            <a:schemeClr val="dk1"/>
+          </a:fontRef>
+        </p:style>
+      </p:cxnSp>
+      <p:cxnSp>
+        <p:nvCxnSpPr>
+          <p:cNvPr id="104" name="Elbow Connector 80">
+            <a:extLst>
+              <a:ext uri="{FF2B5EF4-FFF2-40B4-BE49-F238E27FC236}">
+                <a16:creationId xmlns:a16="http://schemas.microsoft.com/office/drawing/2014/main" id="{0F0F5FCB-99CF-49F9-80A9-F1C7F030656D}"/>
+              </a:ext>
+            </a:extLst>
+          </p:cNvPr>
+          <p:cNvCxnSpPr>
+            <a:cxnSpLocks/>
+            <a:endCxn id="102" idx="1"/>
+          </p:cNvCxnSpPr>
+          <p:nvPr/>
+        </p:nvCxnSpPr>
+        <p:spPr>
+          <a:xfrm rot="16200000" flipH="1">
+            <a:off x="7416800" y="4352133"/>
+            <a:ext cx="373993" cy="217201"/>
+          </a:xfrm>
+          <a:prstGeom prst="bentConnector2">
+            <a:avLst/>
+          </a:prstGeom>
+          <a:ln w="19050">
+            <a:solidFill>
+              <a:srgbClr val="7030A0"/>
+            </a:solidFill>
+            <a:headEnd type="none" w="med" len="med"/>
+            <a:tailEnd type="arrow" w="med" len="med"/>
+          </a:ln>
+          <a:effectLst/>
+        </p:spPr>
+        <p:style>
+          <a:lnRef idx="1">
+            <a:schemeClr val="accent2"/>
+          </a:lnRef>
+          <a:fillRef idx="2">
+            <a:schemeClr val="accent2"/>
+          </a:fillRef>
+          <a:effectRef idx="1">
+            <a:schemeClr val="accent2"/>
+          </a:effectRef>
+          <a:fontRef idx="minor">
+            <a:schemeClr val="dk1"/>
+          </a:fontRef>
+        </p:style>
+      </p:cxnSp>
+      <p:sp>
+        <p:nvSpPr>
+          <p:cNvPr id="105" name="Rectangle 8">
+            <a:extLst>
+              <a:ext uri="{FF2B5EF4-FFF2-40B4-BE49-F238E27FC236}">
+                <a16:creationId xmlns:a16="http://schemas.microsoft.com/office/drawing/2014/main" id="{26792399-8DEF-4E22-AA4D-5188D9983A2A}"/>
+              </a:ext>
+            </a:extLst>
+          </p:cNvPr>
+          <p:cNvSpPr/>
+          <p:nvPr/>
+        </p:nvSpPr>
+        <p:spPr>
+          <a:xfrm>
+            <a:off x="7712397" y="4852727"/>
+            <a:ext cx="708186" cy="285783"/>
+          </a:xfrm>
+          <a:prstGeom prst="rect">
+            <a:avLst/>
+          </a:prstGeom>
+          <a:ln w="19050">
+            <a:solidFill>
+              <a:srgbClr val="7030A0"/>
+            </a:solidFill>
+          </a:ln>
+          <a:effectLst/>
+        </p:spPr>
+        <p:style>
+          <a:lnRef idx="1">
+            <a:schemeClr val="accent4"/>
+          </a:lnRef>
+          <a:fillRef idx="2">
+            <a:schemeClr val="accent4"/>
+          </a:fillRef>
+          <a:effectRef idx="1">
+            <a:schemeClr val="accent4"/>
+          </a:effectRef>
+          <a:fontRef idx="minor">
+            <a:schemeClr val="dk1"/>
+          </a:fontRef>
+        </p:style>
+        <p:txBody>
+          <a:bodyPr rtlCol="0" anchor="ctr"/>
+          <a:lstStyle/>
+          <a:p>
+            <a:pPr algn="ctr"/>
+            <a:r>
+              <a:rPr lang="en-SG" sz="700" dirty="0" err="1">
+                <a:solidFill>
+                  <a:srgbClr val="7030A0"/>
+                </a:solidFill>
+              </a:rPr>
+              <a:t>DietCollection</a:t>
+            </a:r>
+            <a:endParaRPr lang="en-SG" sz="700" dirty="0">
+              <a:solidFill>
+                <a:srgbClr val="7030A0"/>
+              </a:solidFill>
+            </a:endParaRPr>
+          </a:p>
+        </p:txBody>
+      </p:sp>
+      <p:sp>
+        <p:nvSpPr>
+          <p:cNvPr id="106" name="Rectangle 8">
+            <a:extLst>
+              <a:ext uri="{FF2B5EF4-FFF2-40B4-BE49-F238E27FC236}">
+                <a16:creationId xmlns:a16="http://schemas.microsoft.com/office/drawing/2014/main" id="{5C1CC523-0F13-4995-9ECD-A05CE23801F7}"/>
+              </a:ext>
+            </a:extLst>
+          </p:cNvPr>
+          <p:cNvSpPr/>
+          <p:nvPr/>
+        </p:nvSpPr>
+        <p:spPr>
+          <a:xfrm>
+            <a:off x="7712397" y="5200592"/>
+            <a:ext cx="708186" cy="285783"/>
+          </a:xfrm>
+          <a:prstGeom prst="rect">
+            <a:avLst/>
+          </a:prstGeom>
+          <a:ln w="19050">
+            <a:solidFill>
+              <a:srgbClr val="7030A0"/>
+            </a:solidFill>
+          </a:ln>
+          <a:effectLst/>
+        </p:spPr>
+        <p:style>
+          <a:lnRef idx="1">
+            <a:schemeClr val="accent4"/>
+          </a:lnRef>
+          <a:fillRef idx="2">
+            <a:schemeClr val="accent4"/>
+          </a:fillRef>
+          <a:effectRef idx="1">
+            <a:schemeClr val="accent4"/>
+          </a:effectRef>
+          <a:fontRef idx="minor">
+            <a:schemeClr val="dk1"/>
+          </a:fontRef>
+        </p:style>
+        <p:txBody>
+          <a:bodyPr rtlCol="0" anchor="ctr"/>
+          <a:lstStyle/>
+          <a:p>
+            <a:pPr algn="ctr"/>
+            <a:r>
+              <a:rPr lang="en-SG" sz="700" dirty="0" err="1">
+                <a:solidFill>
+                  <a:srgbClr val="7030A0"/>
+                </a:solidFill>
+              </a:rPr>
+              <a:t>VisitorList</a:t>
+            </a:r>
+            <a:endParaRPr lang="en-SG" sz="700" dirty="0">
+              <a:solidFill>
+                <a:srgbClr val="7030A0"/>
+              </a:solidFill>
+            </a:endParaRPr>
+          </a:p>
+        </p:txBody>
+      </p:sp>
+      <p:cxnSp>
+        <p:nvCxnSpPr>
+          <p:cNvPr id="108" name="Elbow Connector 80">
+            <a:extLst>
+              <a:ext uri="{FF2B5EF4-FFF2-40B4-BE49-F238E27FC236}">
+                <a16:creationId xmlns:a16="http://schemas.microsoft.com/office/drawing/2014/main" id="{4C2A3772-4688-4AF1-ACAA-799570DF5666}"/>
+              </a:ext>
+            </a:extLst>
+          </p:cNvPr>
+          <p:cNvCxnSpPr>
+            <a:cxnSpLocks/>
+          </p:cNvCxnSpPr>
+          <p:nvPr/>
+        </p:nvCxnSpPr>
+        <p:spPr>
+          <a:xfrm rot="16200000" flipH="1">
+            <a:off x="7416799" y="4689952"/>
+            <a:ext cx="373993" cy="217201"/>
+          </a:xfrm>
+          <a:prstGeom prst="bentConnector2">
+            <a:avLst/>
+          </a:prstGeom>
+          <a:ln w="19050">
+            <a:solidFill>
+              <a:srgbClr val="7030A0"/>
+            </a:solidFill>
+            <a:headEnd type="none" w="med" len="med"/>
+            <a:tailEnd type="arrow" w="med" len="med"/>
+          </a:ln>
+          <a:effectLst/>
+        </p:spPr>
+        <p:style>
+          <a:lnRef idx="1">
+            <a:schemeClr val="accent2"/>
+          </a:lnRef>
+          <a:fillRef idx="2">
+            <a:schemeClr val="accent2"/>
+          </a:fillRef>
+          <a:effectRef idx="1">
+            <a:schemeClr val="accent2"/>
+          </a:effectRef>
+          <a:fontRef idx="minor">
+            <a:schemeClr val="dk1"/>
+          </a:fontRef>
+        </p:style>
+      </p:cxnSp>
+      <p:cxnSp>
+        <p:nvCxnSpPr>
+          <p:cNvPr id="109" name="Elbow Connector 80">
+            <a:extLst>
+              <a:ext uri="{FF2B5EF4-FFF2-40B4-BE49-F238E27FC236}">
+                <a16:creationId xmlns:a16="http://schemas.microsoft.com/office/drawing/2014/main" id="{E7EC62C1-153D-41ED-A60B-32BC2D950037}"/>
+              </a:ext>
+            </a:extLst>
+          </p:cNvPr>
+          <p:cNvCxnSpPr>
+            <a:cxnSpLocks/>
+          </p:cNvCxnSpPr>
+          <p:nvPr/>
+        </p:nvCxnSpPr>
+        <p:spPr>
+          <a:xfrm rot="16200000" flipH="1">
+            <a:off x="7416797" y="5013717"/>
+            <a:ext cx="373993" cy="217201"/>
+          </a:xfrm>
+          <a:prstGeom prst="bentConnector2">
+            <a:avLst/>
+          </a:prstGeom>
+          <a:ln w="19050">
+            <a:solidFill>
+              <a:srgbClr val="7030A0"/>
+            </a:solidFill>
+            <a:headEnd type="none" w="med" len="med"/>
+            <a:tailEnd type="arrow" w="med" len="med"/>
+          </a:ln>
+          <a:effectLst/>
+        </p:spPr>
+        <p:style>
+          <a:lnRef idx="1">
+            <a:schemeClr val="accent2"/>
+          </a:lnRef>
+          <a:fillRef idx="2">
+            <a:schemeClr val="accent2"/>
+          </a:fillRef>
+          <a:effectRef idx="1">
+            <a:schemeClr val="accent2"/>
+          </a:effectRef>
+          <a:fontRef idx="minor">
+            <a:schemeClr val="dk1"/>
+          </a:fontRef>
+        </p:style>
+      </p:cxnSp>
+      <p:sp>
+        <p:nvSpPr>
+          <p:cNvPr id="110" name="Rectangle 8">
+            <a:extLst>
+              <a:ext uri="{FF2B5EF4-FFF2-40B4-BE49-F238E27FC236}">
+                <a16:creationId xmlns:a16="http://schemas.microsoft.com/office/drawing/2014/main" id="{BFC31AB5-D05E-435D-B2DF-8F5F36991623}"/>
+              </a:ext>
+            </a:extLst>
+          </p:cNvPr>
+          <p:cNvSpPr/>
+          <p:nvPr/>
+        </p:nvSpPr>
+        <p:spPr>
+          <a:xfrm>
+            <a:off x="7712394" y="2204823"/>
+            <a:ext cx="708186" cy="285783"/>
+          </a:xfrm>
+          <a:prstGeom prst="rect">
+            <a:avLst/>
+          </a:prstGeom>
+          <a:ln w="19050">
+            <a:solidFill>
+              <a:srgbClr val="7030A0"/>
+            </a:solidFill>
+          </a:ln>
+          <a:effectLst/>
+        </p:spPr>
+        <p:style>
+          <a:lnRef idx="1">
+            <a:schemeClr val="accent4"/>
+          </a:lnRef>
+          <a:fillRef idx="2">
+            <a:schemeClr val="accent4"/>
+          </a:fillRef>
+          <a:effectRef idx="1">
+            <a:schemeClr val="accent4"/>
+          </a:effectRef>
+          <a:fontRef idx="minor">
+            <a:schemeClr val="dk1"/>
+          </a:fontRef>
+        </p:style>
+        <p:txBody>
+          <a:bodyPr rtlCol="0" anchor="ctr"/>
+          <a:lstStyle/>
+          <a:p>
+            <a:pPr algn="ctr"/>
+            <a:r>
+              <a:rPr lang="en-US" sz="1050" dirty="0" err="1">
+                <a:solidFill>
+                  <a:srgbClr val="7030A0"/>
+                </a:solidFill>
+              </a:rPr>
+              <a:t>Nric</a:t>
+            </a:r>
+            <a:endParaRPr lang="en-SG" sz="1050" dirty="0">
+              <a:solidFill>
+                <a:srgbClr val="7030A0"/>
+              </a:solidFill>
+            </a:endParaRPr>
+          </a:p>
+        </p:txBody>
+      </p:sp>
+      <p:cxnSp>
+        <p:nvCxnSpPr>
+          <p:cNvPr id="111" name="Elbow Connector 78">
+            <a:extLst>
+              <a:ext uri="{FF2B5EF4-FFF2-40B4-BE49-F238E27FC236}">
+                <a16:creationId xmlns:a16="http://schemas.microsoft.com/office/drawing/2014/main" id="{6689CE01-F3C7-42C2-B07B-70B4030FCE74}"/>
+              </a:ext>
+            </a:extLst>
+          </p:cNvPr>
+          <p:cNvCxnSpPr>
+            <a:cxnSpLocks/>
+          </p:cNvCxnSpPr>
+          <p:nvPr/>
+        </p:nvCxnSpPr>
+        <p:spPr>
+          <a:xfrm>
+            <a:off x="7495192" y="2359405"/>
+            <a:ext cx="217204" cy="1"/>
+          </a:xfrm>
+          <a:prstGeom prst="bentConnector3">
+            <a:avLst/>
+          </a:prstGeom>
+          <a:ln w="19050">
+            <a:solidFill>
+              <a:srgbClr val="7030A0"/>
+            </a:solidFill>
+            <a:headEnd type="none" w="med" len="med"/>
+            <a:tailEnd type="arrow" w="med" len="med"/>
           </a:ln>
           <a:effectLst/>
         </p:spPr>
